--- a/doc/前端-JS.pptx
+++ b/doc/前端-JS.pptx
@@ -194,7 +194,7 @@
           <a:p>
             <a:fld id="{B86859C3-2692-784F-AC34-40A9E7B69405}" type="datetimeFigureOut">
               <a:rPr kumimoji="1" lang="zh-CN" altLang="en-US" smtClean="0"/>
-              <a:t>17/2/20</a:t>
+              <a:t>17/2/21</a:t>
             </a:fld>
             <a:endParaRPr kumimoji="1" lang="zh-CN" altLang="en-US"/>
           </a:p>
@@ -462,6 +462,114 @@
 </p:notesMaster>
 </file>
 
+<file path=ppt/notesSlides/notesSlide1.xml><?xml version="1.0" encoding="utf-8"?>
+<p:notes xmlns:a="http://schemas.openxmlformats.org/drawingml/2006/main" xmlns:r="http://schemas.openxmlformats.org/officeDocument/2006/relationships" xmlns:p="http://schemas.openxmlformats.org/presentationml/2006/main">
+  <p:cSld>
+    <p:spTree>
+      <p:nvGrpSpPr>
+        <p:cNvPr id="1" name=""/>
+        <p:cNvGrpSpPr/>
+        <p:nvPr/>
+      </p:nvGrpSpPr>
+      <p:grpSpPr>
+        <a:xfrm>
+          <a:off x="0" y="0"/>
+          <a:ext cx="0" cy="0"/>
+          <a:chOff x="0" y="0"/>
+          <a:chExt cx="0" cy="0"/>
+        </a:xfrm>
+      </p:grpSpPr>
+      <p:sp>
+        <p:nvSpPr>
+          <p:cNvPr id="2" name="幻灯片图像占位符 1"/>
+          <p:cNvSpPr>
+            <a:spLocks noGrp="1" noRot="1" noChangeAspect="1"/>
+          </p:cNvSpPr>
+          <p:nvPr>
+            <p:ph type="sldImg"/>
+          </p:nvPr>
+        </p:nvSpPr>
+        <p:spPr/>
+      </p:sp>
+      <p:sp>
+        <p:nvSpPr>
+          <p:cNvPr id="3" name="备注占位符 2"/>
+          <p:cNvSpPr>
+            <a:spLocks noGrp="1"/>
+          </p:cNvSpPr>
+          <p:nvPr>
+            <p:ph type="body" idx="1"/>
+          </p:nvPr>
+        </p:nvSpPr>
+        <p:spPr/>
+        <p:txBody>
+          <a:bodyPr/>
+          <a:lstStyle/>
+          <a:p>
+            <a:r>
+              <a:rPr kumimoji="1" lang="zh-CN" altLang="en-US" dirty="0" smtClean="0"/>
+              <a:t>被引用的自由变量将和这个函数一同存在，即使已经离开了创造它的环境也不例外。</a:t>
+            </a:r>
+            <a:endParaRPr kumimoji="1" lang="en-US" altLang="zh-CN" dirty="0" smtClean="0"/>
+          </a:p>
+          <a:p>
+            <a:r>
+              <a:rPr kumimoji="1" lang="zh-CN" altLang="en-US" dirty="0" smtClean="0"/>
+              <a:t>变量的作用域仅限于包含它们的函数，因此无法从其它程序代码部分进行访问。</a:t>
+            </a:r>
+            <a:endParaRPr kumimoji="1" lang="en-US" altLang="zh-CN" dirty="0" smtClean="0"/>
+          </a:p>
+          <a:p>
+            <a:r>
+              <a:rPr kumimoji="1" lang="zh-CN" altLang="en-US" dirty="0" smtClean="0"/>
+              <a:t>正因为这一特点，闭包可以用来完成信息隐藏，并进而应用于需要状态表达的某些编程范型中。 </a:t>
+            </a:r>
+            <a:endParaRPr kumimoji="1" lang="en-US" altLang="zh-CN" dirty="0" smtClean="0"/>
+          </a:p>
+          <a:p>
+            <a:endParaRPr kumimoji="1" lang="en-US" altLang="zh-CN" smtClean="0"/>
+          </a:p>
+          <a:p>
+            <a:endParaRPr kumimoji="1" lang="zh-CN" altLang="en-US" dirty="0"/>
+          </a:p>
+        </p:txBody>
+      </p:sp>
+      <p:sp>
+        <p:nvSpPr>
+          <p:cNvPr id="4" name="幻灯片编号占位符 3"/>
+          <p:cNvSpPr>
+            <a:spLocks noGrp="1"/>
+          </p:cNvSpPr>
+          <p:nvPr>
+            <p:ph type="sldNum" sz="quarter" idx="10"/>
+          </p:nvPr>
+        </p:nvSpPr>
+        <p:spPr/>
+        <p:txBody>
+          <a:bodyPr/>
+          <a:lstStyle/>
+          <a:p>
+            <a:fld id="{30E5BD0C-2667-BA41-90C5-58CB9DE5FD83}" type="slidenum">
+              <a:rPr kumimoji="1" lang="zh-CN" altLang="en-US" smtClean="0"/>
+              <a:t>3</a:t>
+            </a:fld>
+            <a:endParaRPr kumimoji="1" lang="zh-CN" altLang="en-US"/>
+          </a:p>
+        </p:txBody>
+      </p:sp>
+    </p:spTree>
+    <p:extLst>
+      <p:ext uri="{BB962C8B-B14F-4D97-AF65-F5344CB8AC3E}">
+        <p14:creationId xmlns:p14="http://schemas.microsoft.com/office/powerpoint/2010/main" val="400588192"/>
+      </p:ext>
+    </p:extLst>
+  </p:cSld>
+  <p:clrMapOvr>
+    <a:masterClrMapping/>
+  </p:clrMapOvr>
+</p:notes>
+</file>
+
 <file path=ppt/slideLayouts/slideLayout1.xml><?xml version="1.0" encoding="utf-8"?>
 <p:sldLayout xmlns:a="http://schemas.openxmlformats.org/drawingml/2006/main" xmlns:r="http://schemas.openxmlformats.org/officeDocument/2006/relationships" xmlns:p="http://schemas.openxmlformats.org/presentationml/2006/main" type="title" preserve="1">
   <p:cSld name="标题幻灯片">
@@ -643,7 +751,7 @@
           <a:p>
             <a:fld id="{D7B12BEA-236C-5749-AF49-060B228B08C5}" type="datetimeFigureOut">
               <a:rPr kumimoji="1" lang="zh-CN" altLang="en-US" smtClean="0"/>
-              <a:t>17/2/20</a:t>
+              <a:t>17/2/21</a:t>
             </a:fld>
             <a:endParaRPr kumimoji="1" lang="zh-CN" altLang="en-US"/>
           </a:p>
@@ -813,7 +921,7 @@
           <a:p>
             <a:fld id="{D7B12BEA-236C-5749-AF49-060B228B08C5}" type="datetimeFigureOut">
               <a:rPr kumimoji="1" lang="zh-CN" altLang="en-US" smtClean="0"/>
-              <a:t>17/2/20</a:t>
+              <a:t>17/2/21</a:t>
             </a:fld>
             <a:endParaRPr kumimoji="1" lang="zh-CN" altLang="en-US"/>
           </a:p>
@@ -993,7 +1101,7 @@
           <a:p>
             <a:fld id="{D7B12BEA-236C-5749-AF49-060B228B08C5}" type="datetimeFigureOut">
               <a:rPr kumimoji="1" lang="zh-CN" altLang="en-US" smtClean="0"/>
-              <a:t>17/2/20</a:t>
+              <a:t>17/2/21</a:t>
             </a:fld>
             <a:endParaRPr kumimoji="1" lang="zh-CN" altLang="en-US"/>
           </a:p>
@@ -1163,7 +1271,7 @@
           <a:p>
             <a:fld id="{D7B12BEA-236C-5749-AF49-060B228B08C5}" type="datetimeFigureOut">
               <a:rPr kumimoji="1" lang="zh-CN" altLang="en-US" smtClean="0"/>
-              <a:t>17/2/20</a:t>
+              <a:t>17/2/21</a:t>
             </a:fld>
             <a:endParaRPr kumimoji="1" lang="zh-CN" altLang="en-US"/>
           </a:p>
@@ -1409,7 +1517,7 @@
           <a:p>
             <a:fld id="{D7B12BEA-236C-5749-AF49-060B228B08C5}" type="datetimeFigureOut">
               <a:rPr kumimoji="1" lang="zh-CN" altLang="en-US" smtClean="0"/>
-              <a:t>17/2/20</a:t>
+              <a:t>17/2/21</a:t>
             </a:fld>
             <a:endParaRPr kumimoji="1" lang="zh-CN" altLang="en-US"/>
           </a:p>
@@ -1697,7 +1805,7 @@
           <a:p>
             <a:fld id="{D7B12BEA-236C-5749-AF49-060B228B08C5}" type="datetimeFigureOut">
               <a:rPr kumimoji="1" lang="zh-CN" altLang="en-US" smtClean="0"/>
-              <a:t>17/2/20</a:t>
+              <a:t>17/2/21</a:t>
             </a:fld>
             <a:endParaRPr kumimoji="1" lang="zh-CN" altLang="en-US"/>
           </a:p>
@@ -2119,7 +2227,7 @@
           <a:p>
             <a:fld id="{D7B12BEA-236C-5749-AF49-060B228B08C5}" type="datetimeFigureOut">
               <a:rPr kumimoji="1" lang="zh-CN" altLang="en-US" smtClean="0"/>
-              <a:t>17/2/20</a:t>
+              <a:t>17/2/21</a:t>
             </a:fld>
             <a:endParaRPr kumimoji="1" lang="zh-CN" altLang="en-US"/>
           </a:p>
@@ -2237,7 +2345,7 @@
           <a:p>
             <a:fld id="{D7B12BEA-236C-5749-AF49-060B228B08C5}" type="datetimeFigureOut">
               <a:rPr kumimoji="1" lang="zh-CN" altLang="en-US" smtClean="0"/>
-              <a:t>17/2/20</a:t>
+              <a:t>17/2/21</a:t>
             </a:fld>
             <a:endParaRPr kumimoji="1" lang="zh-CN" altLang="en-US"/>
           </a:p>
@@ -2332,7 +2440,7 @@
           <a:p>
             <a:fld id="{D7B12BEA-236C-5749-AF49-060B228B08C5}" type="datetimeFigureOut">
               <a:rPr kumimoji="1" lang="zh-CN" altLang="en-US" smtClean="0"/>
-              <a:t>17/2/20</a:t>
+              <a:t>17/2/21</a:t>
             </a:fld>
             <a:endParaRPr kumimoji="1" lang="zh-CN" altLang="en-US"/>
           </a:p>
@@ -2609,7 +2717,7 @@
           <a:p>
             <a:fld id="{D7B12BEA-236C-5749-AF49-060B228B08C5}" type="datetimeFigureOut">
               <a:rPr kumimoji="1" lang="zh-CN" altLang="en-US" smtClean="0"/>
-              <a:t>17/2/20</a:t>
+              <a:t>17/2/21</a:t>
             </a:fld>
             <a:endParaRPr kumimoji="1" lang="zh-CN" altLang="en-US"/>
           </a:p>
@@ -2862,7 +2970,7 @@
           <a:p>
             <a:fld id="{D7B12BEA-236C-5749-AF49-060B228B08C5}" type="datetimeFigureOut">
               <a:rPr kumimoji="1" lang="zh-CN" altLang="en-US" smtClean="0"/>
-              <a:t>17/2/20</a:t>
+              <a:t>17/2/21</a:t>
             </a:fld>
             <a:endParaRPr kumimoji="1" lang="zh-CN" altLang="en-US"/>
           </a:p>
@@ -3075,7 +3183,7 @@
           <a:p>
             <a:fld id="{D7B12BEA-236C-5749-AF49-060B228B08C5}" type="datetimeFigureOut">
               <a:rPr kumimoji="1" lang="zh-CN" altLang="en-US" smtClean="0"/>
-              <a:t>17/2/20</a:t>
+              <a:t>17/2/21</a:t>
             </a:fld>
             <a:endParaRPr kumimoji="1" lang="zh-CN" altLang="en-US"/>
           </a:p>
@@ -3639,28 +3747,155 @@
           <a:lstStyle/>
           <a:p>
             <a:r>
-              <a:rPr lang="pl-PL" altLang="zh-CN" dirty="0"/>
-              <a:t>BS</a:t>
-            </a:r>
-            <a:r>
-              <a:rPr lang="zh-CN" altLang="pl-PL" dirty="0"/>
-              <a:t>之 </a:t>
-            </a:r>
-            <a:r>
-              <a:rPr lang="pl-PL" altLang="zh-CN" dirty="0" err="1"/>
-              <a:t>cookie</a:t>
-            </a:r>
-            <a:r>
-              <a:rPr lang="pl-PL" altLang="zh-CN" dirty="0"/>
+              <a:rPr kumimoji="1" lang="zh-CN" altLang="en-US" dirty="0" smtClean="0"/>
+              <a:t>闭包</a:t>
+            </a:r>
+            <a:endParaRPr kumimoji="1" lang="zh-CN" altLang="en-US" dirty="0"/>
+          </a:p>
+        </p:txBody>
+      </p:sp>
+      <p:sp>
+        <p:nvSpPr>
+          <p:cNvPr id="3" name="内容占位符 2"/>
+          <p:cNvSpPr>
+            <a:spLocks noGrp="1"/>
+          </p:cNvSpPr>
+          <p:nvPr>
+            <p:ph idx="1"/>
+          </p:nvPr>
+        </p:nvSpPr>
+        <p:spPr>
+          <a:xfrm>
+            <a:off x="457200" y="1600200"/>
+            <a:ext cx="4689006" cy="4525963"/>
+          </a:xfrm>
+        </p:spPr>
+        <p:txBody>
+          <a:bodyPr>
+            <a:normAutofit fontScale="92500" lnSpcReduction="20000"/>
+          </a:bodyPr>
+          <a:lstStyle/>
+          <a:p>
+            <a:pPr marL="0" indent="0">
+              <a:buNone/>
+            </a:pPr>
+            <a:r>
+              <a:rPr kumimoji="1" lang="en-US" altLang="zh-CN" dirty="0"/>
+              <a:t>function A(a, b, c) { </a:t>
+            </a:r>
+          </a:p>
+          <a:p>
+            <a:pPr marL="0" indent="0">
+              <a:buNone/>
+            </a:pPr>
+            <a:r>
+              <a:rPr kumimoji="1" lang="en-US" altLang="zh-CN" dirty="0"/>
+              <a:t>    </a:t>
+            </a:r>
+            <a:r>
+              <a:rPr kumimoji="1" lang="en-US" altLang="zh-CN" dirty="0" err="1"/>
+              <a:t>var</a:t>
+            </a:r>
+            <a:r>
+              <a:rPr kumimoji="1" lang="en-US" altLang="zh-CN" dirty="0"/>
               <a:t> </a:t>
             </a:r>
             <a:r>
-              <a:rPr lang="zh-CN" altLang="pl-PL" dirty="0"/>
-              <a:t>与 </a:t>
-            </a:r>
-            <a:r>
-              <a:rPr lang="pl-PL" altLang="zh-CN" dirty="0" err="1"/>
-              <a:t>session</a:t>
+              <a:rPr kumimoji="1" lang="en-US" altLang="zh-CN" dirty="0" err="1"/>
+              <a:t>ar</a:t>
+            </a:r>
+            <a:r>
+              <a:rPr kumimoji="1" lang="en-US" altLang="zh-CN" dirty="0"/>
+              <a:t> = [a, b, c]; </a:t>
+            </a:r>
+          </a:p>
+          <a:p>
+            <a:pPr marL="0" indent="0">
+              <a:buNone/>
+            </a:pPr>
+            <a:r>
+              <a:rPr kumimoji="1" lang="en-US" altLang="zh-CN" dirty="0"/>
+              <a:t>    return function B(</a:t>
+            </a:r>
+            <a:r>
+              <a:rPr kumimoji="1" lang="en-US" altLang="zh-CN" dirty="0" err="1"/>
+              <a:t>i</a:t>
+            </a:r>
+            <a:r>
+              <a:rPr kumimoji="1" lang="en-US" altLang="zh-CN" dirty="0"/>
+              <a:t>) { </a:t>
+            </a:r>
+          </a:p>
+          <a:p>
+            <a:pPr marL="0" indent="0">
+              <a:buNone/>
+            </a:pPr>
+            <a:r>
+              <a:rPr kumimoji="1" lang="en-US" altLang="zh-CN" dirty="0"/>
+              <a:t>        return </a:t>
+            </a:r>
+            <a:r>
+              <a:rPr kumimoji="1" lang="en-US" altLang="zh-CN" dirty="0" err="1"/>
+              <a:t>ar</a:t>
+            </a:r>
+            <a:r>
+              <a:rPr kumimoji="1" lang="en-US" altLang="zh-CN" dirty="0"/>
+              <a:t>[</a:t>
+            </a:r>
+            <a:r>
+              <a:rPr kumimoji="1" lang="en-US" altLang="zh-CN" dirty="0" err="1"/>
+              <a:t>i</a:t>
+            </a:r>
+            <a:r>
+              <a:rPr kumimoji="1" lang="en-US" altLang="zh-CN" dirty="0"/>
+              <a:t>]; </a:t>
+            </a:r>
+          </a:p>
+          <a:p>
+            <a:pPr marL="0" indent="0">
+              <a:buNone/>
+            </a:pPr>
+            <a:r>
+              <a:rPr kumimoji="1" lang="en-US" altLang="zh-CN" dirty="0"/>
+              <a:t>    }; </a:t>
+            </a:r>
+          </a:p>
+          <a:p>
+            <a:pPr marL="0" indent="0">
+              <a:buNone/>
+            </a:pPr>
+            <a:r>
+              <a:rPr kumimoji="1" lang="en-US" altLang="zh-CN" dirty="0"/>
+              <a:t>} </a:t>
+            </a:r>
+          </a:p>
+          <a:p>
+            <a:endParaRPr kumimoji="1" lang="en-US" altLang="zh-CN" dirty="0"/>
+          </a:p>
+          <a:p>
+            <a:pPr marL="0" indent="0">
+              <a:buNone/>
+            </a:pPr>
+            <a:r>
+              <a:rPr kumimoji="1" lang="en-US" altLang="zh-CN" dirty="0" err="1"/>
+              <a:t>var</a:t>
+            </a:r>
+            <a:r>
+              <a:rPr kumimoji="1" lang="en-US" altLang="zh-CN" dirty="0"/>
+              <a:t> b = A('Here', 'I', 'am'); </a:t>
+            </a:r>
+          </a:p>
+          <a:p>
+            <a:pPr marL="0" indent="0">
+              <a:buNone/>
+            </a:pPr>
+            <a:r>
+              <a:rPr kumimoji="1" lang="en-US" altLang="zh-CN" dirty="0" err="1"/>
+              <a:t>console.log</a:t>
+            </a:r>
+            <a:r>
+              <a:rPr kumimoji="1" lang="en-US" altLang="zh-CN" dirty="0"/>
+              <a:t>(b(1)); </a:t>
             </a:r>
             <a:endParaRPr kumimoji="1" lang="zh-CN" altLang="en-US" dirty="0"/>
           </a:p>
@@ -3668,20 +3903,43 @@
       </p:sp>
       <p:sp>
         <p:nvSpPr>
-          <p:cNvPr id="3" name="内容占位符 2"/>
-          <p:cNvSpPr>
-            <a:spLocks noGrp="1"/>
-          </p:cNvSpPr>
-          <p:nvPr>
-            <p:ph idx="1"/>
-          </p:nvPr>
-        </p:nvSpPr>
-        <p:spPr/>
-        <p:txBody>
-          <a:bodyPr/>
-          <a:lstStyle/>
-          <a:p>
-            <a:endParaRPr kumimoji="1" lang="zh-CN" altLang="en-US" dirty="0"/>
+          <p:cNvPr id="5" name="文本框 4"/>
+          <p:cNvSpPr txBox="1"/>
+          <p:nvPr/>
+        </p:nvSpPr>
+        <p:spPr>
+          <a:xfrm>
+            <a:off x="5426608" y="1732026"/>
+            <a:ext cx="3133908" cy="1938992"/>
+          </a:xfrm>
+          <a:prstGeom prst="rect">
+            <a:avLst/>
+          </a:prstGeom>
+          <a:noFill/>
+        </p:spPr>
+        <p:txBody>
+          <a:bodyPr wrap="square" rtlCol="0">
+            <a:spAutoFit/>
+          </a:bodyPr>
+          <a:lstStyle/>
+          <a:p>
+            <a:r>
+              <a:rPr kumimoji="1" lang="zh-CN" altLang="en-US" sz="2400" dirty="0"/>
+              <a:t>一个函数可以持有外层作用域的变量</a:t>
+            </a:r>
+            <a:r>
+              <a:rPr kumimoji="1" lang="en-US" altLang="zh-CN" sz="2400" dirty="0"/>
+              <a:t>,</a:t>
+            </a:r>
+            <a:r>
+              <a:rPr kumimoji="1" lang="zh-CN" altLang="en-US" sz="2400" dirty="0"/>
+              <a:t>并且除了调用该函数以外没有任何其他方法可以访问到这些变量</a:t>
+            </a:r>
+            <a:r>
+              <a:rPr kumimoji="1" lang="en-US" altLang="zh-CN" sz="2400" dirty="0" smtClean="0"/>
+              <a:t>.</a:t>
+            </a:r>
+            <a:endParaRPr kumimoji="1" lang="zh-CN" altLang="en-US" sz="2400" dirty="0"/>
           </a:p>
         </p:txBody>
       </p:sp>
@@ -3695,6 +3953,13 @@
   <p:clrMapOvr>
     <a:masterClrMapping/>
   </p:clrMapOvr>
+  <p:timing>
+    <p:tnLst>
+      <p:par>
+        <p:cTn xmlns:p14="http://schemas.microsoft.com/office/powerpoint/2010/main" id="1" dur="indefinite" restart="never" nodeType="tmRoot"/>
+      </p:par>
+    </p:tnLst>
+  </p:timing>
 </p:sld>
 </file>
 
